--- a/Sitzungen/02-Dockerfile/Dockerfile.pptx
+++ b/Sitzungen/02-Dockerfile/Dockerfile.pptx
@@ -285,7 +285,7 @@
           <a:p>
             <a:fld id="{05408900-6234-440B-A027-38F10FF7E2F1}" type="datetimeFigureOut">
               <a:rPr lang="de-DE" smtClean="0"/>
-              <a:t>09.06.24</a:t>
+              <a:t>11.06.24</a:t>
             </a:fld>
             <a:endParaRPr lang="de-DE"/>
           </a:p>
@@ -1366,7 +1366,7 @@
           <a:p>
             <a:fld id="{5C112017-8065-48DD-9B13-0C49ED4C96A2}" type="datetime1">
               <a:rPr lang="de-DE" smtClean="0"/>
-              <a:t>09.06.24</a:t>
+              <a:t>11.06.24</a:t>
             </a:fld>
             <a:endParaRPr lang="de-DE" dirty="0"/>
           </a:p>
@@ -1493,7 +1493,7 @@
           <a:p>
             <a:fld id="{C9105859-118F-4F50-A6FB-E91B2E1A8A72}" type="datetime1">
               <a:rPr lang="de-DE" smtClean="0"/>
-              <a:t>09.06.24</a:t>
+              <a:t>11.06.24</a:t>
             </a:fld>
             <a:endParaRPr lang="de-DE"/>
           </a:p>
@@ -2137,7 +2137,7 @@
           <a:p>
             <a:fld id="{0CD4B225-F0B8-46AA-90BF-C673216C1F00}" type="datetime1">
               <a:rPr lang="de-DE" smtClean="0"/>
-              <a:t>09.06.24</a:t>
+              <a:t>11.06.24</a:t>
             </a:fld>
             <a:endParaRPr lang="de-DE" dirty="0"/>
           </a:p>
@@ -2285,7 +2285,7 @@
           <a:p>
             <a:fld id="{6E13A16E-77CB-4136-8008-E4869A326378}" type="datetime1">
               <a:rPr lang="de-DE" smtClean="0"/>
-              <a:t>09.06.24</a:t>
+              <a:t>11.06.24</a:t>
             </a:fld>
             <a:endParaRPr lang="de-DE" dirty="0"/>
           </a:p>
@@ -2500,7 +2500,7 @@
           <a:p>
             <a:fld id="{81E902D4-492B-4864-93F6-DA83A304C178}" type="datetime1">
               <a:rPr lang="de-DE" smtClean="0"/>
-              <a:t>09.06.24</a:t>
+              <a:t>11.06.24</a:t>
             </a:fld>
             <a:endParaRPr lang="de-DE" dirty="0"/>
           </a:p>
@@ -2645,7 +2645,7 @@
           <a:p>
             <a:fld id="{0569583C-3F6E-4979-BCD4-23FDD265FDDE}" type="datetime1">
               <a:rPr lang="de-DE" smtClean="0"/>
-              <a:t>09.06.24</a:t>
+              <a:t>11.06.24</a:t>
             </a:fld>
             <a:endParaRPr lang="de-DE"/>
           </a:p>
@@ -2894,7 +2894,7 @@
           <a:p>
             <a:fld id="{F89D93DB-2134-4258-BD90-5CD3850D939D}" type="datetime1">
               <a:rPr lang="de-DE" smtClean="0"/>
-              <a:t>09.06.24</a:t>
+              <a:t>11.06.24</a:t>
             </a:fld>
             <a:endParaRPr lang="de-DE"/>
           </a:p>
@@ -3259,7 +3259,7 @@
           <a:p>
             <a:fld id="{F4A3588F-6311-4A7C-AD81-15BB8BACBCD3}" type="datetime1">
               <a:rPr lang="de-DE" smtClean="0"/>
-              <a:t>09.06.24</a:t>
+              <a:t>11.06.24</a:t>
             </a:fld>
             <a:endParaRPr lang="de-DE" dirty="0"/>
           </a:p>
@@ -3537,7 +3537,7 @@
           <a:p>
             <a:fld id="{3EF61ABD-1EA8-4621-BE25-CD48C302A2BF}" type="datetime1">
               <a:rPr lang="de-DE" smtClean="0"/>
-              <a:t>09.06.24</a:t>
+              <a:t>11.06.24</a:t>
             </a:fld>
             <a:endParaRPr lang="de-DE" dirty="0"/>
           </a:p>
@@ -4460,7 +4460,7 @@
           <a:p>
             <a:fld id="{5C112017-8065-48DD-9B13-0C49ED4C96A2}" type="datetime1">
               <a:rPr lang="de-DE" smtClean="0"/>
-              <a:t>09.06.24</a:t>
+              <a:t>11.06.24</a:t>
             </a:fld>
             <a:endParaRPr lang="de-DE" dirty="0"/>
           </a:p>
@@ -4773,7 +4773,7 @@
           <a:p>
             <a:fld id="{5C112017-8065-48DD-9B13-0C49ED4C96A2}" type="datetime1">
               <a:rPr lang="de-DE" smtClean="0"/>
-              <a:t>09.06.24</a:t>
+              <a:t>11.06.24</a:t>
             </a:fld>
             <a:endParaRPr lang="de-DE" dirty="0"/>
           </a:p>
@@ -6045,7 +6045,7 @@
           <a:p>
             <a:r>
               <a:rPr lang="de-DE" dirty="0"/>
-              <a:t>Docker Basics  Übungsaufgabe</a:t>
+              <a:t>Docker Basics  Übungsaufgabe (20 Minuten)</a:t>
             </a:r>
           </a:p>
         </p:txBody>
@@ -6073,7 +6073,7 @@
           <a:p>
             <a:fld id="{5C112017-8065-48DD-9B13-0C49ED4C96A2}" type="datetime1">
               <a:rPr lang="de-DE" smtClean="0"/>
-              <a:t>09.06.24</a:t>
+              <a:t>11.06.24</a:t>
             </a:fld>
             <a:endParaRPr lang="de-DE" dirty="0"/>
           </a:p>
@@ -6766,7 +6766,7 @@
           <a:p>
             <a:fld id="{5C112017-8065-48DD-9B13-0C49ED4C96A2}" type="datetime1">
               <a:rPr lang="de-DE" smtClean="0"/>
-              <a:t>09.06.24</a:t>
+              <a:t>11.06.24</a:t>
             </a:fld>
             <a:endParaRPr lang="de-DE" dirty="0"/>
           </a:p>
@@ -7038,7 +7038,7 @@
             </a:r>
             <a:r>
               <a:rPr lang="de-DE" dirty="0"/>
-              <a:t> Beispiel (uebung-01)</a:t>
+              <a:t> Beispiel (uebung-02)</a:t>
             </a:r>
           </a:p>
         </p:txBody>
@@ -7066,7 +7066,7 @@
           <a:p>
             <a:fld id="{5C112017-8065-48DD-9B13-0C49ED4C96A2}" type="datetime1">
               <a:rPr lang="de-DE" smtClean="0"/>
-              <a:t>09.06.24</a:t>
+              <a:t>11.06.24</a:t>
             </a:fld>
             <a:endParaRPr lang="de-DE" dirty="0"/>
           </a:p>
@@ -7991,7 +7991,7 @@
             </a:r>
             <a:r>
               <a:rPr lang="de-DE" dirty="0"/>
-              <a:t> Demo (uebung-01)</a:t>
+              <a:t> Demo (uebung-02)</a:t>
             </a:r>
           </a:p>
         </p:txBody>
@@ -8019,7 +8019,7 @@
           <a:p>
             <a:fld id="{5C112017-8065-48DD-9B13-0C49ED4C96A2}" type="datetime1">
               <a:rPr lang="de-DE" smtClean="0"/>
-              <a:t>09.06.24</a:t>
+              <a:t>11.06.24</a:t>
             </a:fld>
             <a:endParaRPr lang="de-DE" dirty="0"/>
           </a:p>
@@ -10598,7 +10598,7 @@
             </a:r>
             <a:r>
               <a:rPr lang="de-DE" dirty="0"/>
-              <a:t> Übungsaufgabe (uebung-02) | 20 Minuten</a:t>
+              <a:t> Übungsaufgabe (uebung-03) | 20 Minuten</a:t>
             </a:r>
           </a:p>
         </p:txBody>
@@ -10626,7 +10626,7 @@
           <a:p>
             <a:fld id="{5C112017-8065-48DD-9B13-0C49ED4C96A2}" type="datetime1">
               <a:rPr lang="de-DE" smtClean="0"/>
-              <a:t>09.06.24</a:t>
+              <a:t>11.06.24</a:t>
             </a:fld>
             <a:endParaRPr lang="de-DE" dirty="0"/>
           </a:p>
@@ -10843,7 +10843,7 @@
           <a:p>
             <a:fld id="{5C112017-8065-48DD-9B13-0C49ED4C96A2}" type="datetime1">
               <a:rPr lang="de-DE" smtClean="0"/>
-              <a:t>09.06.24</a:t>
+              <a:t>11.06.24</a:t>
             </a:fld>
             <a:endParaRPr lang="de-DE" dirty="0"/>
           </a:p>
@@ -13159,17 +13159,6 @@
 </file>
 
 <file path=customXml/item2.xml><?xml version="1.0" encoding="utf-8"?>
-<p:properties xmlns:p="http://schemas.microsoft.com/office/2006/metadata/properties" xmlns:xsi="http://www.w3.org/2001/XMLSchema-instance" xmlns:pc="http://schemas.microsoft.com/office/infopath/2007/PartnerControls">
-  <documentManagement>
-    <lcf76f155ced4ddcb4097134ff3c332f xmlns="bd1df9fc-eee4-4bfe-b7bd-ff4ca06f87a6">
-      <Terms xmlns="http://schemas.microsoft.com/office/infopath/2007/PartnerControls"/>
-    </lcf76f155ced4ddcb4097134ff3c332f>
-    <TaxCatchAll xmlns="bdf516eb-0c25-4a3b-9b1c-af9181aec22c" xsi:nil="true"/>
-  </documentManagement>
-</p:properties>
-</file>
-
-<file path=customXml/item3.xml><?xml version="1.0" encoding="utf-8"?>
 <ct:contentTypeSchema xmlns:ct="http://schemas.microsoft.com/office/2006/metadata/contentType" xmlns:ma="http://schemas.microsoft.com/office/2006/metadata/properties/metaAttributes" ct:_="" ma:_="" ma:contentTypeName="Dokument" ma:contentTypeID="0x010100D023ED1A4533544EB0ECAE504F3476C3" ma:contentTypeVersion="16" ma:contentTypeDescription="Ein neues Dokument erstellen." ma:contentTypeScope="" ma:versionID="d793762badd805e00f05805417311daf">
   <xsd:schema xmlns:xsd="http://www.w3.org/2001/XMLSchema" xmlns:xs="http://www.w3.org/2001/XMLSchema" xmlns:p="http://schemas.microsoft.com/office/2006/metadata/properties" xmlns:ns2="bd1df9fc-eee4-4bfe-b7bd-ff4ca06f87a6" xmlns:ns3="bdf516eb-0c25-4a3b-9b1c-af9181aec22c" targetNamespace="http://schemas.microsoft.com/office/2006/metadata/properties" ma:root="true" ma:fieldsID="7eb27db833596673fa0d7679061ae251" ns2:_="" ns3:_="">
     <xsd:import namespace="bd1df9fc-eee4-4bfe-b7bd-ff4ca06f87a6"/>
@@ -13412,6 +13401,17 @@
 </ct:contentTypeSchema>
 </file>
 
+<file path=customXml/item3.xml><?xml version="1.0" encoding="utf-8"?>
+<p:properties xmlns:p="http://schemas.microsoft.com/office/2006/metadata/properties" xmlns:xsi="http://www.w3.org/2001/XMLSchema-instance" xmlns:pc="http://schemas.microsoft.com/office/infopath/2007/PartnerControls">
+  <documentManagement>
+    <lcf76f155ced4ddcb4097134ff3c332f xmlns="bd1df9fc-eee4-4bfe-b7bd-ff4ca06f87a6">
+      <Terms xmlns="http://schemas.microsoft.com/office/infopath/2007/PartnerControls"/>
+    </lcf76f155ced4ddcb4097134ff3c332f>
+    <TaxCatchAll xmlns="bdf516eb-0c25-4a3b-9b1c-af9181aec22c" xsi:nil="true"/>
+  </documentManagement>
+</p:properties>
+</file>
+
 <file path=customXml/itemProps1.xml><?xml version="1.0" encoding="utf-8"?>
 <ds:datastoreItem xmlns:ds="http://schemas.openxmlformats.org/officeDocument/2006/customXml" ds:itemID="{2EB8A970-0222-462E-87E4-6C2AE061F11F}">
   <ds:schemaRefs>
@@ -13421,23 +13421,6 @@
 </file>
 
 <file path=customXml/itemProps2.xml><?xml version="1.0" encoding="utf-8"?>
-<ds:datastoreItem xmlns:ds="http://schemas.openxmlformats.org/officeDocument/2006/customXml" ds:itemID="{422D17F8-9DE9-4834-98A0-0A722CAEA23C}">
-  <ds:schemaRefs>
-    <ds:schemaRef ds:uri="bd1df9fc-eee4-4bfe-b7bd-ff4ca06f87a6"/>
-    <ds:schemaRef ds:uri="http://schemas.openxmlformats.org/package/2006/metadata/core-properties"/>
-    <ds:schemaRef ds:uri="bdf516eb-0c25-4a3b-9b1c-af9181aec22c"/>
-    <ds:schemaRef ds:uri="http://schemas.microsoft.com/office/2006/documentManagement/types"/>
-    <ds:schemaRef ds:uri="http://purl.org/dc/terms/"/>
-    <ds:schemaRef ds:uri="http://purl.org/dc/elements/1.1/"/>
-    <ds:schemaRef ds:uri="http://www.w3.org/XML/1998/namespace"/>
-    <ds:schemaRef ds:uri="http://purl.org/dc/dcmitype/"/>
-    <ds:schemaRef ds:uri="http://schemas.microsoft.com/office/infopath/2007/PartnerControls"/>
-    <ds:schemaRef ds:uri="http://schemas.microsoft.com/office/2006/metadata/properties"/>
-  </ds:schemaRefs>
-</ds:datastoreItem>
-</file>
-
-<file path=customXml/itemProps3.xml><?xml version="1.0" encoding="utf-8"?>
 <ds:datastoreItem xmlns:ds="http://schemas.openxmlformats.org/officeDocument/2006/customXml" ds:itemID="{F623BE98-E345-4DA8-AA18-D3C94E979F07}">
   <ds:schemaRefs>
     <ds:schemaRef ds:uri="http://schemas.microsoft.com/office/2006/metadata/contentType"/>
@@ -13454,4 +13437,21 @@
     <ds:schemaRef ds:uri="http://schemas.microsoft.com/internal/obd"/>
   </ds:schemaRefs>
 </ds:datastoreItem>
+</file>
+
+<file path=customXml/itemProps3.xml><?xml version="1.0" encoding="utf-8"?>
+<ds:datastoreItem xmlns:ds="http://schemas.openxmlformats.org/officeDocument/2006/customXml" ds:itemID="{422D17F8-9DE9-4834-98A0-0A722CAEA23C}">
+  <ds:schemaRefs>
+    <ds:schemaRef ds:uri="bd1df9fc-eee4-4bfe-b7bd-ff4ca06f87a6"/>
+    <ds:schemaRef ds:uri="http://schemas.openxmlformats.org/package/2006/metadata/core-properties"/>
+    <ds:schemaRef ds:uri="bdf516eb-0c25-4a3b-9b1c-af9181aec22c"/>
+    <ds:schemaRef ds:uri="http://schemas.microsoft.com/office/2006/documentManagement/types"/>
+    <ds:schemaRef ds:uri="http://purl.org/dc/terms/"/>
+    <ds:schemaRef ds:uri="http://purl.org/dc/elements/1.1/"/>
+    <ds:schemaRef ds:uri="http://www.w3.org/XML/1998/namespace"/>
+    <ds:schemaRef ds:uri="http://purl.org/dc/dcmitype/"/>
+    <ds:schemaRef ds:uri="http://schemas.microsoft.com/office/infopath/2007/PartnerControls"/>
+    <ds:schemaRef ds:uri="http://schemas.microsoft.com/office/2006/metadata/properties"/>
+  </ds:schemaRefs>
+</ds:datastoreItem>
 </file>